--- a/poster.pptx
+++ b/poster.pptx
@@ -2083,7 +2083,7 @@
         </p:nvSpPr>
         <p:spPr>
           <a:xfrm>
-            <a:off x="852310" y="1898820"/>
+            <a:off x="852310" y="1944540"/>
             <a:ext cx="23638371" cy="33830280"/>
           </a:xfrm>
           <a:prstGeom prst="roundRect">
@@ -3053,7 +3053,7 @@
               <a:rPr lang="en-US" sz="2800" spc="-1" dirty="0">
                 <a:latin typeface="Arial"/>
               </a:rPr>
-              <a:t>Most of the misclassification were between one cancerous tissue and another, there were almost no healthy tissue classified as cancerous or vice versa.</a:t>
+              <a:t>Most of the misclassification was between one cancerous tissue and another, there was no healthy tissue classified as cancerous or vice versa.</a:t>
             </a:r>
           </a:p>
           <a:p>
@@ -3145,7 +3145,7 @@
               <a:rPr lang="en-US" sz="2800" spc="-1" dirty="0">
                 <a:latin typeface="Arial"/>
               </a:rPr>
-              <a:t>- How well will this type of CNN model perform for other types of histology</a:t>
+              <a:t>- How well will this type of CNN model perform with other types of histology</a:t>
             </a:r>
           </a:p>
           <a:p>
@@ -3168,7 +3168,7 @@
               <a:rPr lang="en-US" sz="2800" spc="-1" dirty="0">
                 <a:latin typeface="Arial"/>
               </a:rPr>
-              <a:t>- Which additional improvements we can make to our current model to further raise accuracy    </a:t>
+              <a:t>- Which additional improvements we can make to our current model even more accurate</a:t>
             </a:r>
           </a:p>
           <a:p>
@@ -3492,7 +3492,7 @@
                 <a:latin typeface="Arial"/>
                 <a:ea typeface="DejaVu Sans"/>
               </a:rPr>
-              <a:t>Building a model that can not only detect tumor tissue </a:t>
+              <a:t>Building a model that can not only detect</a:t>
             </a:r>
             <a:br>
               <a:rPr lang="en-US" sz="2800" spc="-1" dirty="0">
@@ -3511,7 +3511,7 @@
                 <a:latin typeface="Arial"/>
                 <a:ea typeface="DejaVu Sans"/>
               </a:rPr>
-              <a:t>but also classify other types of cancerous tissue which </a:t>
+              <a:t>cancerous tumor tissue but also classify cancerous</a:t>
             </a:r>
             <a:br>
               <a:rPr lang="en-US" sz="2800" spc="-1" dirty="0">
@@ -3530,7 +3530,7 @@
                 <a:latin typeface="Arial"/>
                 <a:ea typeface="DejaVu Sans"/>
               </a:rPr>
-              <a:t>will aid the diagnosis process.</a:t>
+              <a:t>tissues by their types.</a:t>
             </a:r>
           </a:p>
           <a:p>
@@ -4112,10 +4112,10 @@
       </p:sp>
       <p:pic>
         <p:nvPicPr>
-          <p:cNvPr id="13" name="Picture 12">
+          <p:cNvPr id="4" name="Picture 3">
             <a:extLst>
               <a:ext uri="{FF2B5EF4-FFF2-40B4-BE49-F238E27FC236}">
-                <a16:creationId xmlns:a16="http://schemas.microsoft.com/office/drawing/2014/main" id="{B4210BB3-E76B-4F32-9F15-AAF0C173040B}"/>
+                <a16:creationId xmlns:a16="http://schemas.microsoft.com/office/drawing/2014/main" id="{69936606-2491-4F59-B68B-77390D09DFF4}"/>
               </a:ext>
             </a:extLst>
           </p:cNvPr>
@@ -4138,8 +4138,8 @@
         </p:blipFill>
         <p:spPr>
           <a:xfrm>
-            <a:off x="5977914" y="28141269"/>
-            <a:ext cx="12859612" cy="3677197"/>
+            <a:off x="6046036" y="28161947"/>
+            <a:ext cx="11841481" cy="3755627"/>
           </a:xfrm>
           <a:prstGeom prst="rect">
             <a:avLst/>

--- a/poster.pptx
+++ b/poster.pptx
@@ -3053,7 +3053,19 @@
               <a:rPr lang="en-US" sz="2800" spc="-1" dirty="0">
                 <a:latin typeface="Arial"/>
               </a:rPr>
-              <a:t>Most of the misclassification was between one cancerous tissue and another, there was no healthy tissue classified as cancerous or vice versa.</a:t>
+              <a:t>Most of the misclassifications were between one cancerous tissue and another, there </a:t>
+            </a:r>
+            <a:r>
+              <a:rPr lang="en-US" sz="2800" spc="-1">
+                <a:latin typeface="Arial"/>
+              </a:rPr>
+              <a:t>was almost </a:t>
+            </a:r>
+            <a:r>
+              <a:rPr lang="en-US" sz="2800" spc="-1" dirty="0">
+                <a:latin typeface="Arial"/>
+              </a:rPr>
+              <a:t>no healthy tissue classified as cancerous or vice versa.</a:t>
             </a:r>
           </a:p>
           <a:p>
@@ -4112,10 +4124,10 @@
       </p:sp>
       <p:pic>
         <p:nvPicPr>
-          <p:cNvPr id="4" name="Picture 3">
+          <p:cNvPr id="5" name="Picture 4">
             <a:extLst>
               <a:ext uri="{FF2B5EF4-FFF2-40B4-BE49-F238E27FC236}">
-                <a16:creationId xmlns:a16="http://schemas.microsoft.com/office/drawing/2014/main" id="{69936606-2491-4F59-B68B-77390D09DFF4}"/>
+                <a16:creationId xmlns:a16="http://schemas.microsoft.com/office/drawing/2014/main" id="{B34FEA2A-6888-4C15-B821-0797A1BCC2F1}"/>
               </a:ext>
             </a:extLst>
           </p:cNvPr>
@@ -4138,8 +4150,8 @@
         </p:blipFill>
         <p:spPr>
           <a:xfrm>
-            <a:off x="6046036" y="28161947"/>
-            <a:ext cx="11841481" cy="3755627"/>
+            <a:off x="6362184" y="28003259"/>
+            <a:ext cx="12091072" cy="3834787"/>
           </a:xfrm>
           <a:prstGeom prst="rect">
             <a:avLst/>
